--- a/results/model.pptx
+++ b/results/model.pptx
@@ -104,6 +104,11 @@
       </a:defRPr>
     </a:lvl9pPr>
   </p:defaultTextStyle>
+  <p:extLst>
+    <p:ext uri="{EFAFB233-063F-42B5-8137-9DF3F51BA10A}">
+      <p15:sldGuideLst xmlns:p15="http://schemas.microsoft.com/office/powerpoint/2012/main"/>
+    </p:ext>
+  </p:extLst>
 </p:presentation>
 </file>
 
@@ -256,7 +261,7 @@
           <a:p>
             <a:fld id="{E4EDFFE3-6288-F34D-819A-56AE35C41D0C}" type="datetimeFigureOut">
               <a:rPr lang="de-DE" smtClean="0"/>
-              <a:t>02.01.20</a:t>
+              <a:t>17.01.20</a:t>
             </a:fld>
             <a:endParaRPr lang="de-DE"/>
           </a:p>
@@ -456,7 +461,7 @@
           <a:p>
             <a:fld id="{E4EDFFE3-6288-F34D-819A-56AE35C41D0C}" type="datetimeFigureOut">
               <a:rPr lang="de-DE" smtClean="0"/>
-              <a:t>02.01.20</a:t>
+              <a:t>17.01.20</a:t>
             </a:fld>
             <a:endParaRPr lang="de-DE"/>
           </a:p>
@@ -666,7 +671,7 @@
           <a:p>
             <a:fld id="{E4EDFFE3-6288-F34D-819A-56AE35C41D0C}" type="datetimeFigureOut">
               <a:rPr lang="de-DE" smtClean="0"/>
-              <a:t>02.01.20</a:t>
+              <a:t>17.01.20</a:t>
             </a:fld>
             <a:endParaRPr lang="de-DE"/>
           </a:p>
@@ -866,7 +871,7 @@
           <a:p>
             <a:fld id="{E4EDFFE3-6288-F34D-819A-56AE35C41D0C}" type="datetimeFigureOut">
               <a:rPr lang="de-DE" smtClean="0"/>
-              <a:t>02.01.20</a:t>
+              <a:t>17.01.20</a:t>
             </a:fld>
             <a:endParaRPr lang="de-DE"/>
           </a:p>
@@ -1142,7 +1147,7 @@
           <a:p>
             <a:fld id="{E4EDFFE3-6288-F34D-819A-56AE35C41D0C}" type="datetimeFigureOut">
               <a:rPr lang="de-DE" smtClean="0"/>
-              <a:t>02.01.20</a:t>
+              <a:t>17.01.20</a:t>
             </a:fld>
             <a:endParaRPr lang="de-DE"/>
           </a:p>
@@ -1410,7 +1415,7 @@
           <a:p>
             <a:fld id="{E4EDFFE3-6288-F34D-819A-56AE35C41D0C}" type="datetimeFigureOut">
               <a:rPr lang="de-DE" smtClean="0"/>
-              <a:t>02.01.20</a:t>
+              <a:t>17.01.20</a:t>
             </a:fld>
             <a:endParaRPr lang="de-DE"/>
           </a:p>
@@ -1825,7 +1830,7 @@
           <a:p>
             <a:fld id="{E4EDFFE3-6288-F34D-819A-56AE35C41D0C}" type="datetimeFigureOut">
               <a:rPr lang="de-DE" smtClean="0"/>
-              <a:t>02.01.20</a:t>
+              <a:t>17.01.20</a:t>
             </a:fld>
             <a:endParaRPr lang="de-DE"/>
           </a:p>
@@ -1967,7 +1972,7 @@
           <a:p>
             <a:fld id="{E4EDFFE3-6288-F34D-819A-56AE35C41D0C}" type="datetimeFigureOut">
               <a:rPr lang="de-DE" smtClean="0"/>
-              <a:t>02.01.20</a:t>
+              <a:t>17.01.20</a:t>
             </a:fld>
             <a:endParaRPr lang="de-DE"/>
           </a:p>
@@ -2080,7 +2085,7 @@
           <a:p>
             <a:fld id="{E4EDFFE3-6288-F34D-819A-56AE35C41D0C}" type="datetimeFigureOut">
               <a:rPr lang="de-DE" smtClean="0"/>
-              <a:t>02.01.20</a:t>
+              <a:t>17.01.20</a:t>
             </a:fld>
             <a:endParaRPr lang="de-DE"/>
           </a:p>
@@ -2393,7 +2398,7 @@
           <a:p>
             <a:fld id="{E4EDFFE3-6288-F34D-819A-56AE35C41D0C}" type="datetimeFigureOut">
               <a:rPr lang="de-DE" smtClean="0"/>
-              <a:t>02.01.20</a:t>
+              <a:t>17.01.20</a:t>
             </a:fld>
             <a:endParaRPr lang="de-DE"/>
           </a:p>
@@ -2682,7 +2687,7 @@
           <a:p>
             <a:fld id="{E4EDFFE3-6288-F34D-819A-56AE35C41D0C}" type="datetimeFigureOut">
               <a:rPr lang="de-DE" smtClean="0"/>
-              <a:t>02.01.20</a:t>
+              <a:t>17.01.20</a:t>
             </a:fld>
             <a:endParaRPr lang="de-DE"/>
           </a:p>
@@ -2925,7 +2930,7 @@
           <a:p>
             <a:fld id="{E4EDFFE3-6288-F34D-819A-56AE35C41D0C}" type="datetimeFigureOut">
               <a:rPr lang="de-DE" smtClean="0"/>
-              <a:t>02.01.20</a:t>
+              <a:t>17.01.20</a:t>
             </a:fld>
             <a:endParaRPr lang="de-DE"/>
           </a:p>
@@ -3976,20 +3981,32 @@
           <a:p>
             <a:pPr algn="ctr"/>
             <a:r>
+              <a:rPr lang="de-DE" sz="1200" dirty="0">
+                <a:solidFill>
+                  <a:sysClr val="windowText" lastClr="000000"/>
+                </a:solidFill>
+                <a:latin typeface="Helvetica Light" panose="020B0403020202020204" pitchFamily="34" charset="0"/>
+              </a:rPr>
+              <a:t>𝜋(</a:t>
+            </a:r>
+            <a:r>
               <a:rPr lang="de-DE" sz="1200" dirty="0" err="1">
                 <a:solidFill>
                   <a:sysClr val="windowText" lastClr="000000"/>
                 </a:solidFill>
                 <a:latin typeface="Helvetica Light" panose="020B0403020202020204" pitchFamily="34" charset="0"/>
               </a:rPr>
-              <a:t>policy</a:t>
-            </a:r>
-            <a:endParaRPr lang="de-DE" sz="1200" dirty="0">
-              <a:solidFill>
-                <a:sysClr val="windowText" lastClr="000000"/>
-              </a:solidFill>
-              <a:latin typeface="Helvetica Light" panose="020B0403020202020204" pitchFamily="34" charset="0"/>
-            </a:endParaRPr>
+              <a:t>s,a</a:t>
+            </a:r>
+            <a:r>
+              <a:rPr lang="de-DE" sz="1200" dirty="0">
+                <a:solidFill>
+                  <a:sysClr val="windowText" lastClr="000000"/>
+                </a:solidFill>
+                <a:latin typeface="Helvetica Light" panose="020B0403020202020204" pitchFamily="34" charset="0"/>
+              </a:rPr>
+              <a:t>)</a:t>
+            </a:r>
           </a:p>
         </p:txBody>
       </p:sp>
@@ -4045,20 +4062,14 @@
           <a:p>
             <a:pPr algn="ctr"/>
             <a:r>
-              <a:rPr lang="de-DE" sz="1200" dirty="0" err="1">
+              <a:rPr lang="de-DE" sz="1200" dirty="0">
                 <a:solidFill>
                   <a:sysClr val="windowText" lastClr="000000"/>
                 </a:solidFill>
                 <a:latin typeface="Helvetica Light" panose="020B0403020202020204" pitchFamily="34" charset="0"/>
               </a:rPr>
-              <a:t>baseline</a:t>
-            </a:r>
-            <a:endParaRPr lang="de-DE" sz="1200" dirty="0">
-              <a:solidFill>
-                <a:sysClr val="windowText" lastClr="000000"/>
-              </a:solidFill>
-              <a:latin typeface="Helvetica Light" panose="020B0403020202020204" pitchFamily="34" charset="0"/>
-            </a:endParaRPr>
+              <a:t>V(s)</a:t>
+            </a:r>
           </a:p>
         </p:txBody>
       </p:sp>
